--- a/org.faktorips.doc/schulung/anwendungsentwicklung2/FaktorIPS-Schulung 3-F - Verwendung von Formeln.pptx
+++ b/org.faktorips.doc/schulung/anwendungsentwicklung2/FaktorIPS-Schulung 3-F - Verwendung von Formeln.pptx
@@ -1486,7 +1486,7 @@
           <a:p>
             <a:fld id="{536F17E0-72CE-4A72-A0B1-86BD3E596985}" type="datetime1">
               <a:rPr lang="de-DE" smtClean="0"/>
-              <a:t>17.05.2013</a:t>
+              <a:t>15.04.2015</a:t>
             </a:fld>
             <a:endParaRPr lang="de-DE" dirty="0"/>
           </a:p>
@@ -2819,7 +2819,7 @@
           <a:p>
             <a:fld id="{3CB3001C-822E-4E3E-9983-625262E8B34B}" type="datetime1">
               <a:rPr lang="de-DE" smtClean="0"/>
-              <a:t>17.05.2013</a:t>
+              <a:t>15.04.2015</a:t>
             </a:fld>
             <a:endParaRPr lang="de-DE" dirty="0"/>
           </a:p>
@@ -3016,7 +3016,7 @@
           <a:p>
             <a:fld id="{C1E71EE7-DD5C-4B3B-B3AE-761EF5A24D33}" type="datetime1">
               <a:rPr lang="de-DE" smtClean="0"/>
-              <a:t>17.05.2013</a:t>
+              <a:t>15.04.2015</a:t>
             </a:fld>
             <a:endParaRPr lang="de-DE" dirty="0"/>
           </a:p>
@@ -3958,7 +3958,7 @@
           <a:p>
             <a:fld id="{1FF8BBCC-0EC8-4DFF-8FDC-3073D5B17AAC}" type="datetime1">
               <a:rPr lang="de-DE" smtClean="0"/>
-              <a:t>17.05.2013</a:t>
+              <a:t>15.04.2015</a:t>
             </a:fld>
             <a:endParaRPr lang="de-DE" dirty="0"/>
           </a:p>
@@ -4135,7 +4135,7 @@
           <a:p>
             <a:fld id="{433689E3-D579-4BA2-9132-B892ED4D7B52}" type="datetime1">
               <a:rPr lang="de-DE" smtClean="0"/>
-              <a:t>17.05.2013</a:t>
+              <a:t>15.04.2015</a:t>
             </a:fld>
             <a:endParaRPr lang="de-DE" dirty="0"/>
           </a:p>
@@ -4340,7 +4340,7 @@
           <a:p>
             <a:fld id="{BC795232-1FD3-4085-9522-8F7E6AC6DC52}" type="datetime1">
               <a:rPr lang="de-DE" smtClean="0"/>
-              <a:t>17.05.2013</a:t>
+              <a:t>15.04.2015</a:t>
             </a:fld>
             <a:endParaRPr lang="de-DE" dirty="0"/>
           </a:p>
@@ -4512,7 +4512,7 @@
           <a:p>
             <a:fld id="{5D69E8C7-3CF4-4008-AF8E-FDE4EB372DA1}" type="datetime1">
               <a:rPr lang="de-DE" smtClean="0"/>
-              <a:t>17.05.2013</a:t>
+              <a:t>15.04.2015</a:t>
             </a:fld>
             <a:endParaRPr lang="de-DE" dirty="0"/>
           </a:p>
@@ -4733,7 +4733,7 @@
           <a:p>
             <a:fld id="{6FC65E39-B0CD-436F-A692-B4A204F0EEF8}" type="datetime1">
               <a:rPr lang="de-DE" smtClean="0"/>
-              <a:t>17.05.2013</a:t>
+              <a:t>15.04.2015</a:t>
             </a:fld>
             <a:endParaRPr lang="de-DE" dirty="0"/>
           </a:p>
@@ -4931,7 +4931,7 @@
           <a:p>
             <a:fld id="{BFAB0B50-413D-4DB5-A8B6-387593CD2D3E}" type="datetime1">
               <a:rPr lang="de-DE" smtClean="0"/>
-              <a:t>17.05.2013</a:t>
+              <a:t>15.04.2015</a:t>
             </a:fld>
             <a:endParaRPr lang="de-DE" dirty="0"/>
           </a:p>
@@ -6198,7 +6198,7 @@
           <a:p>
             <a:fld id="{D0BE3E73-322C-429F-91B9-0AC758F5B917}" type="datetime1">
               <a:rPr lang="de-DE" smtClean="0"/>
-              <a:t>17.05.2013</a:t>
+              <a:t>15.04.2015</a:t>
             </a:fld>
             <a:endParaRPr lang="de-DE" dirty="0"/>
           </a:p>
@@ -7186,7 +7186,7 @@
           <a:p>
             <a:fld id="{2877DEB5-33CD-4B7D-948D-FCAD754C30FB}" type="datetime1">
               <a:rPr lang="de-DE" smtClean="0"/>
-              <a:t>17.05.2013</a:t>
+              <a:t>15.04.2015</a:t>
             </a:fld>
             <a:endParaRPr lang="de-DE" dirty="0"/>
           </a:p>
@@ -7757,7 +7757,7 @@
           <a:p>
             <a:fld id="{FE661510-6339-40B4-B3FE-1C998C54867B}" type="datetime1">
               <a:rPr lang="de-DE" smtClean="0"/>
-              <a:t>17.05.2013</a:t>
+              <a:t>15.04.2015</a:t>
             </a:fld>
             <a:endParaRPr lang="de-DE" dirty="0"/>
           </a:p>
@@ -9248,7 +9248,7 @@
           <a:p>
             <a:fld id="{1390B367-2C33-4535-9248-4484DA900BF4}" type="datetime1">
               <a:rPr lang="de-DE" smtClean="0"/>
-              <a:t>17.05.2013</a:t>
+              <a:t>15.04.2015</a:t>
             </a:fld>
             <a:endParaRPr lang="de-DE" dirty="0"/>
           </a:p>
@@ -9888,7 +9888,7 @@
                   <a:srgbClr val="FFFFFF"/>
                 </a:solidFill>
               </a:rPr>
-              <a:t>17.05.2013</a:t>
+              <a:t>15.04.2015</a:t>
             </a:fld>
             <a:endParaRPr lang="de-DE" dirty="0">
               <a:solidFill>
@@ -10631,17 +10631,8 @@
                       </a:pPr>
                       <a:r>
                         <a:rPr lang="de-DE" sz="2400" b="1" dirty="0" smtClean="0"/>
-                        <a:t>III.F </a:t>
+                        <a:t>III.F Verwendung von Formeln</a:t>
                       </a:r>
-                      <a:r>
-                        <a:rPr lang="de-DE" sz="2400" b="1" dirty="0" smtClean="0"/>
-                        <a:t>Verwendung von </a:t>
-                      </a:r>
-                      <a:r>
-                        <a:rPr lang="de-DE" sz="2400" b="1" dirty="0" smtClean="0"/>
-                        <a:t>Formeln</a:t>
-                      </a:r>
-                      <a:endParaRPr lang="de-DE" sz="2400" b="1" dirty="0" smtClean="0"/>
                     </a:p>
                   </a:txBody>
                   <a:tcPr marL="90000" marR="90000" marT="54000" marB="54000" anchor="ctr" horzOverflow="overflow">
@@ -11395,6 +11386,13 @@
   <p:transition spd="slow">
     <p:fade/>
   </p:transition>
+  <p:timing>
+    <p:tnLst>
+      <p:par>
+        <p:cTn id="1" dur="indefinite" restart="never" nodeType="tmRoot"/>
+      </p:par>
+    </p:tnLst>
+  </p:timing>
 </p:sld>
 </file>
 
@@ -11436,7 +11434,7 @@
                   <a:srgbClr val="FFFFFF"/>
                 </a:solidFill>
               </a:rPr>
-              <a:t>17.05.2013</a:t>
+              <a:t>15.04.2015</a:t>
             </a:fld>
             <a:endParaRPr lang="de-DE" dirty="0">
               <a:solidFill>
@@ -11913,7 +11911,7 @@
                   <a:srgbClr val="FFFFFF"/>
                 </a:solidFill>
               </a:rPr>
-              <a:t>17.05.2013</a:t>
+              <a:t>15.04.2015</a:t>
             </a:fld>
             <a:endParaRPr lang="de-DE" dirty="0">
               <a:solidFill>
@@ -12035,7 +12033,7 @@
                   <a:srgbClr val="FFFFFF"/>
                 </a:solidFill>
               </a:rPr>
-              <a:t>17.05.2013</a:t>
+              <a:t>15.04.2015</a:t>
             </a:fld>
             <a:endParaRPr lang="de-DE" dirty="0">
               <a:solidFill>
@@ -12571,7 +12569,7 @@
                   <a:srgbClr val="FFFFFF"/>
                 </a:solidFill>
               </a:rPr>
-              <a:t>17.05.2013</a:t>
+              <a:t>15.04.2015</a:t>
             </a:fld>
             <a:endParaRPr lang="de-DE" dirty="0">
               <a:solidFill>
@@ -14790,7 +14788,7 @@
                   <a:srgbClr val="FFFFFF"/>
                 </a:solidFill>
               </a:rPr>
-              <a:t>17.05.2013</a:t>
+              <a:t>15.04.2015</a:t>
             </a:fld>
             <a:endParaRPr lang="de-DE" dirty="0">
               <a:solidFill>
@@ -16956,14 +16954,14 @@
                 </a:spcAft>
               </a:pPr>
               <a:r>
-                <a:rPr lang="en-US" sz="1200" dirty="0" err="1" smtClean="0">
+                <a:rPr lang="en-US" sz="1200" u="sng" dirty="0" err="1" smtClean="0">
                   <a:solidFill>
                     <a:srgbClr val="FFFFFF"/>
                   </a:solidFill>
                 </a:rPr>
                 <a:t>Fahrraddiebstahl</a:t>
               </a:r>
-              <a:endParaRPr lang="en-US" sz="1200" dirty="0">
+              <a:endParaRPr lang="en-US" sz="1200" u="sng" dirty="0">
                 <a:solidFill>
                   <a:srgbClr val="FFFFFF"/>
                 </a:solidFill>
@@ -17124,14 +17122,14 @@
                 </a:spcAft>
               </a:pPr>
               <a:r>
-                <a:rPr lang="en-US" sz="1200" dirty="0" err="1" smtClean="0">
+                <a:rPr lang="en-US" sz="1200" u="sng" dirty="0" err="1" smtClean="0">
                   <a:solidFill>
                     <a:srgbClr val="FFFFFF"/>
                   </a:solidFill>
                 </a:rPr>
                 <a:t>Überspannung</a:t>
               </a:r>
-              <a:endParaRPr lang="en-US" sz="1200" dirty="0">
+              <a:endParaRPr lang="en-US" sz="1200" u="sng" dirty="0">
                 <a:solidFill>
                   <a:srgbClr val="FFFFFF"/>
                 </a:solidFill>
@@ -17408,7 +17406,7 @@
                 </a:spcAft>
               </a:pPr>
               <a:r>
-                <a:rPr lang="en-US" sz="1200" dirty="0" smtClean="0">
+                <a:rPr lang="en-US" sz="1200" u="sng" dirty="0" smtClean="0">
                   <a:solidFill>
                     <a:srgbClr val="FFFFFF"/>
                   </a:solidFill>
@@ -17416,14 +17414,14 @@
                 <a:t>HR-</a:t>
               </a:r>
               <a:r>
-                <a:rPr lang="en-US" sz="1200" dirty="0" err="1" smtClean="0">
+                <a:rPr lang="en-US" sz="1200" u="sng" dirty="0" err="1" smtClean="0">
                   <a:solidFill>
                     <a:srgbClr val="FFFFFF"/>
                   </a:solidFill>
                 </a:rPr>
                 <a:t>Kompakt</a:t>
               </a:r>
-              <a:endParaRPr lang="en-US" sz="1200" dirty="0">
+              <a:endParaRPr lang="en-US" sz="1200" u="sng" dirty="0">
                 <a:solidFill>
                   <a:srgbClr val="FFFFFF"/>
                 </a:solidFill>
@@ -18380,7 +18378,7 @@
             <a:prstDash val="solid"/>
             <a:round/>
             <a:headEnd type="none" w="med" len="med"/>
-            <a:tailEnd type="none" w="med" len="med"/>
+            <a:tailEnd type="arrow" w="med" len="med"/>
           </a:ln>
           <a:effectLst/>
         </p:spPr>
@@ -18414,7 +18412,7 @@
             <a:prstDash val="solid"/>
             <a:round/>
             <a:headEnd type="none" w="med" len="med"/>
-            <a:tailEnd type="none" w="med" len="med"/>
+            <a:tailEnd type="arrow" w="med" len="med"/>
           </a:ln>
           <a:effectLst/>
         </p:spPr>
@@ -18508,7 +18506,7 @@
                   <a:srgbClr val="FFFFFF"/>
                 </a:solidFill>
               </a:rPr>
-              <a:t>17.05.2013</a:t>
+              <a:t>15.04.2015</a:t>
             </a:fld>
             <a:endParaRPr lang="de-DE" dirty="0">
               <a:solidFill>
@@ -18903,7 +18901,7 @@
                   <a:srgbClr val="FFFFFF"/>
                 </a:solidFill>
               </a:rPr>
-              <a:t>17.05.2013</a:t>
+              <a:t>15.04.2015</a:t>
             </a:fld>
             <a:endParaRPr lang="de-DE" dirty="0">
               <a:solidFill>
@@ -19025,7 +19023,7 @@
                   <a:srgbClr val="FFFFFF"/>
                 </a:solidFill>
               </a:rPr>
-              <a:t>17.05.2013</a:t>
+              <a:t>15.04.2015</a:t>
             </a:fld>
             <a:endParaRPr lang="de-DE" dirty="0">
               <a:solidFill>
@@ -19484,7 +19482,7 @@
                   <a:srgbClr val="FFFFFF"/>
                 </a:solidFill>
               </a:rPr>
-              <a:t>17.05.2013</a:t>
+              <a:t>15.04.2015</a:t>
             </a:fld>
             <a:endParaRPr lang="de-DE" dirty="0">
               <a:solidFill>
@@ -20667,14 +20665,14 @@
                 </a:spcAft>
               </a:pPr>
               <a:r>
-                <a:rPr lang="en-US" sz="1200" dirty="0" err="1" smtClean="0">
+                <a:rPr lang="en-US" sz="1200" u="sng" dirty="0" err="1" smtClean="0">
                   <a:solidFill>
                     <a:srgbClr val="FFFFFF"/>
                   </a:solidFill>
                 </a:rPr>
                 <a:t>Fahrraddiebstahl</a:t>
               </a:r>
-              <a:endParaRPr lang="en-US" sz="1200" dirty="0">
+              <a:endParaRPr lang="en-US" sz="1200" u="sng" dirty="0">
                 <a:solidFill>
                   <a:srgbClr val="FFFFFF"/>
                 </a:solidFill>
@@ -20920,14 +20918,14 @@
                 </a:spcAft>
               </a:pPr>
               <a:r>
-                <a:rPr lang="en-US" sz="1200" dirty="0" err="1" smtClean="0">
+                <a:rPr lang="en-US" sz="1200" u="sng" dirty="0" err="1" smtClean="0">
                   <a:solidFill>
                     <a:srgbClr val="FFFFFF"/>
                   </a:solidFill>
                 </a:rPr>
                 <a:t>Überspannung</a:t>
               </a:r>
-              <a:endParaRPr lang="en-US" sz="1200" dirty="0">
+              <a:endParaRPr lang="en-US" sz="1200" u="sng" dirty="0">
                 <a:solidFill>
                   <a:srgbClr val="FFFFFF"/>
                 </a:solidFill>
@@ -21739,7 +21737,7 @@
                   <a:srgbClr val="FFFFFF"/>
                 </a:solidFill>
               </a:rPr>
-              <a:t>17.05.2013</a:t>
+              <a:t>15.04.2015</a:t>
             </a:fld>
             <a:endParaRPr lang="de-DE" dirty="0">
               <a:solidFill>
@@ -22922,14 +22920,14 @@
                 </a:spcAft>
               </a:pPr>
               <a:r>
-                <a:rPr lang="en-US" sz="1200" dirty="0" err="1" smtClean="0">
+                <a:rPr lang="en-US" sz="1200" u="sng" dirty="0" err="1" smtClean="0">
                   <a:solidFill>
                     <a:srgbClr val="FFFFFF"/>
                   </a:solidFill>
                 </a:rPr>
                 <a:t>Fahrraddiebstahl</a:t>
               </a:r>
-              <a:endParaRPr lang="en-US" sz="1200" dirty="0">
+              <a:endParaRPr lang="en-US" sz="1200" u="sng" dirty="0">
                 <a:solidFill>
                   <a:srgbClr val="FFFFFF"/>
                 </a:solidFill>
@@ -23175,14 +23173,14 @@
                 </a:spcAft>
               </a:pPr>
               <a:r>
-                <a:rPr lang="en-US" sz="1200" dirty="0" err="1" smtClean="0">
+                <a:rPr lang="en-US" sz="1200" u="sng" dirty="0" err="1" smtClean="0">
                   <a:solidFill>
                     <a:srgbClr val="FFFFFF"/>
                   </a:solidFill>
                 </a:rPr>
                 <a:t>Überspannung</a:t>
               </a:r>
-              <a:endParaRPr lang="en-US" sz="1200" dirty="0">
+              <a:endParaRPr lang="en-US" sz="1200" u="sng" dirty="0">
                 <a:solidFill>
                   <a:srgbClr val="FFFFFF"/>
                 </a:solidFill>
